--- a/tf00001157.pptx
+++ b/tf00001157.pptx
@@ -29,7 +29,7 @@
     <p:sldId id="295" r:id="rId17"/>
     <p:sldId id="279" r:id="rId18"/>
     <p:sldId id="280" r:id="rId19"/>
-    <p:sldId id="281" r:id="rId20"/>
+    <p:sldId id="297" r:id="rId20"/>
     <p:sldId id="291" r:id="rId21"/>
     <p:sldId id="284" r:id="rId22"/>
     <p:sldId id="286" r:id="rId23"/>
@@ -230,7 +230,7 @@
           <a:p>
             <a:fld id="{32E1ECB5-9450-48C1-BC8B-02C838CDE6B9}" type="datetimeFigureOut">
               <a:rPr lang="en-US"/>
-              <a:t>11/9/2019</a:t>
+              <a:t>11/10/2019</a:t>
             </a:fld>
             <a:endParaRPr/>
           </a:p>
@@ -395,7 +395,7 @@
           <a:p>
             <a:fld id="{16EE0964-1A1C-492A-8ABB-97C526CFCDFB}" type="datetimeFigureOut">
               <a:rPr lang="en-US"/>
-              <a:t>11/9/2019</a:t>
+              <a:t>11/10/2019</a:t>
             </a:fld>
             <a:endParaRPr/>
           </a:p>
@@ -1069,7 +1069,7 @@
           <a:p>
             <a:fld id="{17DAC9ED-883A-4295-875C-D653C1FCD32D}" type="datetimeFigureOut">
               <a:rPr lang="en-US"/>
-              <a:t>11/9/2019</a:t>
+              <a:t>11/10/2019</a:t>
             </a:fld>
             <a:endParaRPr/>
           </a:p>
@@ -1243,7 +1243,7 @@
           <a:p>
             <a:fld id="{17DAC9ED-883A-4295-875C-D653C1FCD32D}" type="datetimeFigureOut">
               <a:rPr lang="en-US"/>
-              <a:t>11/9/2019</a:t>
+              <a:t>11/10/2019</a:t>
             </a:fld>
             <a:endParaRPr/>
           </a:p>
@@ -1462,7 +1462,7 @@
           <a:p>
             <a:fld id="{17DAC9ED-883A-4295-875C-D653C1FCD32D}" type="datetimeFigureOut">
               <a:rPr lang="en-US"/>
-              <a:t>11/9/2019</a:t>
+              <a:t>11/10/2019</a:t>
             </a:fld>
             <a:endParaRPr/>
           </a:p>
@@ -1657,7 +1657,7 @@
           <a:p>
             <a:fld id="{17DAC9ED-883A-4295-875C-D653C1FCD32D}" type="datetimeFigureOut">
               <a:rPr lang="en-US"/>
-              <a:t>11/9/2019</a:t>
+              <a:t>11/10/2019</a:t>
             </a:fld>
             <a:endParaRPr/>
           </a:p>
@@ -1949,7 +1949,7 @@
           <a:p>
             <a:fld id="{17DAC9ED-883A-4295-875C-D653C1FCD32D}" type="datetimeFigureOut">
               <a:rPr lang="en-US"/>
-              <a:t>11/9/2019</a:t>
+              <a:t>11/10/2019</a:t>
             </a:fld>
             <a:endParaRPr/>
           </a:p>
@@ -2241,7 +2241,7 @@
           <a:p>
             <a:fld id="{17DAC9ED-883A-4295-875C-D653C1FCD32D}" type="datetimeFigureOut">
               <a:rPr lang="en-US"/>
-              <a:t>11/9/2019</a:t>
+              <a:t>11/10/2019</a:t>
             </a:fld>
             <a:endParaRPr/>
           </a:p>
@@ -2471,7 +2471,7 @@
           <a:p>
             <a:fld id="{17DAC9ED-883A-4295-875C-D653C1FCD32D}" type="datetimeFigureOut">
               <a:rPr lang="en-US"/>
-              <a:t>11/9/2019</a:t>
+              <a:t>11/10/2019</a:t>
             </a:fld>
             <a:endParaRPr/>
           </a:p>
@@ -2847,7 +2847,7 @@
           <a:p>
             <a:fld id="{17DAC9ED-883A-4295-875C-D653C1FCD32D}" type="datetimeFigureOut">
               <a:rPr lang="en-US"/>
-              <a:t>11/9/2019</a:t>
+              <a:t>11/10/2019</a:t>
             </a:fld>
             <a:endParaRPr/>
           </a:p>
@@ -2975,7 +2975,7 @@
           <a:p>
             <a:fld id="{17DAC9ED-883A-4295-875C-D653C1FCD32D}" type="datetimeFigureOut">
               <a:rPr lang="en-US"/>
-              <a:t>11/9/2019</a:t>
+              <a:t>11/10/2019</a:t>
             </a:fld>
             <a:endParaRPr/>
           </a:p>
@@ -3128,7 +3128,7 @@
             <a:fld id="{17DAC9ED-883A-4295-875C-D653C1FCD32D}" type="datetimeFigureOut">
               <a:rPr lang="en-US"/>
               <a:pPr/>
-              <a:t>11/9/2019</a:t>
+              <a:t>11/10/2019</a:t>
             </a:fld>
             <a:endParaRPr/>
           </a:p>
@@ -3433,7 +3433,7 @@
           <a:p>
             <a:fld id="{17DAC9ED-883A-4295-875C-D653C1FCD32D}" type="datetimeFigureOut">
               <a:rPr lang="en-US"/>
-              <a:t>11/9/2019</a:t>
+              <a:t>11/10/2019</a:t>
             </a:fld>
             <a:endParaRPr/>
           </a:p>
@@ -3705,7 +3705,7 @@
             <a:fld id="{17DAC9ED-883A-4295-875C-D653C1FCD32D}" type="datetimeFigureOut">
               <a:rPr lang="en-US"/>
               <a:pPr/>
-              <a:t>11/9/2019</a:t>
+              <a:t>11/10/2019</a:t>
             </a:fld>
             <a:endParaRPr/>
           </a:p>
@@ -4561,10 +4561,10 @@
       </p:sp>
       <p:pic>
         <p:nvPicPr>
-          <p:cNvPr id="5" name="Content Placeholder 4" descr="A screenshot of a cell phone&#10;&#10;Description automatically generated">
+          <p:cNvPr id="7" name="Content Placeholder 6" descr="A screenshot of a cell phone&#10;&#10;Description automatically generated">
             <a:extLst>
               <a:ext uri="{FF2B5EF4-FFF2-40B4-BE49-F238E27FC236}">
-                <a16:creationId xmlns:a16="http://schemas.microsoft.com/office/drawing/2014/main" id="{8472B6CE-3B29-43ED-AB5A-2C6AA0311836}"/>
+                <a16:creationId xmlns:a16="http://schemas.microsoft.com/office/drawing/2014/main" id="{FCB2091B-600D-4BDC-B394-894C2F1950BD}"/>
               </a:ext>
             </a:extLst>
           </p:cNvPr>
@@ -4589,12 +4589,9 @@
         </p:blipFill>
         <p:spPr>
           <a:xfrm>
-            <a:off x="4345375" y="961812"/>
-            <a:ext cx="6574649" cy="4930987"/>
+            <a:off x="4545903" y="961118"/>
+            <a:ext cx="6657924" cy="4935764"/>
           </a:xfrm>
-          <a:prstGeom prst="rect">
-            <a:avLst/>
-          </a:prstGeom>
         </p:spPr>
       </p:pic>
     </p:spTree>
@@ -4693,7 +4690,7 @@
           <a:p>
             <a:r>
               <a:rPr lang="en-US" dirty="0"/>
-              <a:t>These auto filled fields are hidden from the user to prevent tampering</a:t>
+              <a:t>These auto filled fields are hidden from the user to prevent tampering\</a:t>
             </a:r>
           </a:p>
           <a:p>
@@ -5356,7 +5353,7 @@
           <a:p>
             <a:r>
               <a:rPr lang="en-US" dirty="0"/>
-              <a:t>Viewing previous applications </a:t>
+              <a:t>Creating a new application</a:t>
             </a:r>
           </a:p>
         </p:txBody>
@@ -5384,20 +5381,38 @@
           <a:p>
             <a:r>
               <a:rPr lang="en-US" dirty="0"/>
-              <a:t>Will display the previously submitted applications submitted by that user </a:t>
-            </a:r>
-          </a:p>
-          <a:p>
-            <a:r>
-              <a:rPr lang="en-US" dirty="0"/>
-              <a:t>Each application will have a row displaying a couple attributes and a submit button to view the application on the review html file</a:t>
-            </a:r>
-          </a:p>
-          <a:p>
-            <a:r>
-              <a:rPr lang="en-US" dirty="0"/>
-              <a:t>The form will have the application id as it’s only input field </a:t>
-            </a:r>
+              <a:t>The information will be entered into the form that is needed to process the app</a:t>
+            </a:r>
+          </a:p>
+          <a:p>
+            <a:r>
+              <a:rPr lang="en-US" dirty="0"/>
+              <a:t>Will pull session variables and place them into the form</a:t>
+            </a:r>
+          </a:p>
+          <a:p>
+            <a:r>
+              <a:rPr lang="en-US" dirty="0"/>
+              <a:t>Will hide the auto filled felids to avoid tampering</a:t>
+            </a:r>
+          </a:p>
+          <a:p>
+            <a:r>
+              <a:rPr lang="en-US" dirty="0"/>
+              <a:t>Will speed up the form creating process for the user</a:t>
+            </a:r>
+          </a:p>
+          <a:p>
+            <a:r>
+              <a:rPr lang="en-US" dirty="0"/>
+              <a:t>Only for employees</a:t>
+            </a:r>
+          </a:p>
+          <a:p>
+            <a:pPr marL="0" indent="0">
+              <a:buNone/>
+            </a:pPr>
+            <a:endParaRPr lang="en-US" dirty="0"/>
           </a:p>
         </p:txBody>
       </p:sp>
@@ -5466,7 +5481,7 @@
           <a:p>
             <a:r>
               <a:rPr lang="en-US" dirty="0"/>
-              <a:t>Review </a:t>
+              <a:t>form </a:t>
             </a:r>
             <a:r>
               <a:rPr lang="en-US" dirty="0" err="1"/>
@@ -5497,30 +5512,15 @@
           <a:bodyPr/>
           <a:lstStyle/>
           <a:p>
-            <a:pPr marL="0" indent="0">
-              <a:buNone/>
-            </a:pPr>
-            <a:r>
-              <a:rPr lang="en-US" dirty="0"/>
-              <a:t>The table will be fed by an array of application objects sorted by end date of the courses. </a:t>
-            </a:r>
-          </a:p>
-          <a:p>
-            <a:pPr marL="0" indent="0">
-              <a:buNone/>
-            </a:pPr>
-            <a:r>
-              <a:rPr lang="en-US" dirty="0"/>
-              <a:t>The submit button will send the application id to the servlet.</a:t>
-            </a:r>
-          </a:p>
-          <a:p>
-            <a:pPr marL="0" indent="0">
-              <a:buNone/>
-            </a:pPr>
-            <a:r>
-              <a:rPr lang="en-US" dirty="0"/>
-              <a:t> single application to view the application</a:t>
+            <a:r>
+              <a:rPr lang="en-US" dirty="0"/>
+              <a:t>Will take all the information in the form and change it in to a json object </a:t>
+            </a:r>
+          </a:p>
+          <a:p>
+            <a:r>
+              <a:rPr lang="en-US" dirty="0"/>
+              <a:t>Will send it to the servlet to be processed</a:t>
             </a:r>
           </a:p>
           <a:p>
@@ -5578,7 +5578,7 @@
           <p:cNvPr id="2" name="Title 1">
             <a:extLst>
               <a:ext uri="{FF2B5EF4-FFF2-40B4-BE49-F238E27FC236}">
-                <a16:creationId xmlns:a16="http://schemas.microsoft.com/office/drawing/2014/main" id="{32BD5857-1D49-4C3B-886B-BA8D3DCE652D}"/>
+                <a16:creationId xmlns:a16="http://schemas.microsoft.com/office/drawing/2014/main" id="{F0758436-00CE-41CE-A6A7-0C862B556266}"/>
               </a:ext>
             </a:extLst>
           </p:cNvPr>
@@ -5596,7 +5596,7 @@
           <a:p>
             <a:r>
               <a:rPr lang="en-US" dirty="0"/>
-              <a:t>Review servlet</a:t>
+              <a:t>Forms servlet</a:t>
             </a:r>
           </a:p>
         </p:txBody>
@@ -5606,7 +5606,7 @@
           <p:cNvPr id="3" name="Content Placeholder 2">
             <a:extLst>
               <a:ext uri="{FF2B5EF4-FFF2-40B4-BE49-F238E27FC236}">
-                <a16:creationId xmlns:a16="http://schemas.microsoft.com/office/drawing/2014/main" id="{DC7382D1-6E3F-485A-B294-5A1E148AF8B6}"/>
+                <a16:creationId xmlns:a16="http://schemas.microsoft.com/office/drawing/2014/main" id="{E219A04A-BE30-4215-8CB5-5C94A1EEBAD5}"/>
               </a:ext>
             </a:extLst>
           </p:cNvPr>
@@ -5624,24 +5624,15 @@
           <a:p>
             <a:r>
               <a:rPr lang="en-US" dirty="0"/>
-              <a:t>Receives a single id  </a:t>
-            </a:r>
-          </a:p>
-          <a:p>
-            <a:r>
-              <a:rPr lang="en-US" dirty="0"/>
-              <a:t>Gets a single application from the database and sends it to the review page to be seen by the user</a:t>
-            </a:r>
-          </a:p>
-          <a:p>
-            <a:endParaRPr lang="en-US" dirty="0"/>
+              <a:t>Will enter the form into the database</a:t>
+            </a:r>
           </a:p>
         </p:txBody>
       </p:sp>
     </p:spTree>
     <p:extLst>
       <p:ext uri="{BB962C8B-B14F-4D97-AF65-F5344CB8AC3E}">
-        <p14:creationId xmlns:p14="http://schemas.microsoft.com/office/powerpoint/2010/main" val="846581197"/>
+        <p14:creationId xmlns:p14="http://schemas.microsoft.com/office/powerpoint/2010/main" val="1127854437"/>
       </p:ext>
     </p:extLst>
   </p:cSld>
@@ -5715,8 +5706,22 @@
         </p:nvSpPr>
         <p:spPr/>
         <p:txBody>
-          <a:bodyPr/>
-          <a:lstStyle/>
+          <a:bodyPr>
+            <a:normAutofit/>
+          </a:bodyPr>
+          <a:lstStyle/>
+          <a:p>
+            <a:r>
+              <a:rPr lang="en-US" dirty="0"/>
+              <a:t>The company wants a more educated work force </a:t>
+            </a:r>
+          </a:p>
+          <a:p>
+            <a:r>
+              <a:rPr lang="en-US" dirty="0"/>
+              <a:t>They want to make it easier for they to better their skills</a:t>
+            </a:r>
+          </a:p>
           <a:p>
             <a:r>
               <a:rPr lang="en-US" dirty="0"/>
@@ -5733,13 +5738,14 @@
           <a:p>
             <a:r>
               <a:rPr lang="en-US" dirty="0"/>
-              <a:t>to identify highly-invested courses that could be developed to be offered in-house.</a:t>
-            </a:r>
-          </a:p>
-          <a:p>
-            <a:pPr marL="0" indent="0">
-              <a:buNone/>
-            </a:pPr>
+              <a:t>identifies courses types and determine what type of reimbursement that may be reached.</a:t>
+            </a:r>
+          </a:p>
+          <a:p>
+            <a:r>
+              <a:rPr lang="en-US" dirty="0"/>
+              <a:t>there is no way to record and report on reimbursements awarded</a:t>
+            </a:r>
             <a:br>
               <a:rPr lang="en-US" dirty="0"/>
             </a:br>
@@ -5961,7 +5967,7 @@
           <a:p>
             <a:r>
               <a:rPr lang="en-US" dirty="0"/>
-              <a:t>Displays content of the form that the employee has selected to view.</a:t>
+              <a:t>Displays content of the form that the employee/manager has selected to view.</a:t>
             </a:r>
           </a:p>
           <a:p>
@@ -5973,7 +5979,19 @@
           <a:p>
             <a:r>
               <a:rPr lang="en-US" dirty="0"/>
-              <a:t>Has a form for the chairman to adjust the reimbursement amount, determine whether the app is approved or denied, and can send a message to the user if needed</a:t>
+              <a:t>Allows managers and department heads to approve or deny</a:t>
+            </a:r>
+          </a:p>
+          <a:p>
+            <a:r>
+              <a:rPr lang="en-US" dirty="0"/>
+              <a:t>Has a form for the chairman to adjust the reimbursement amount, determine whether the app is approved or denied, </a:t>
+            </a:r>
+          </a:p>
+          <a:p>
+            <a:r>
+              <a:rPr lang="en-US" dirty="0"/>
+              <a:t>can send a message to the user if needed</a:t>
             </a:r>
           </a:p>
         </p:txBody>
@@ -7060,25 +7078,25 @@
           <a:p>
             <a:r>
               <a:rPr lang="en-US" dirty="0"/>
-              <a:t>Easy to use system that allows for application to been completed in less than a minute</a:t>
-            </a:r>
-          </a:p>
-          <a:p>
-            <a:r>
-              <a:rPr lang="en-US" dirty="0"/>
-              <a:t>The status of application in the click of the button</a:t>
-            </a:r>
-          </a:p>
-          <a:p>
-            <a:r>
-              <a:rPr lang="en-US" dirty="0"/>
-              <a:t>Allows for mangers and chairman to approved or deny the application while viewing all the information needed to base their decisions on</a:t>
-            </a:r>
-          </a:p>
-          <a:p>
-            <a:r>
-              <a:rPr lang="en-US" dirty="0"/>
-              <a:t>Emails the user when the application has completed the review process</a:t>
+              <a:t>Easy to use system that allows for applications to be submitted in less than a minute</a:t>
+            </a:r>
+          </a:p>
+          <a:p>
+            <a:r>
+              <a:rPr lang="en-US" dirty="0"/>
+              <a:t>Checks the status of an application in the click of the button</a:t>
+            </a:r>
+          </a:p>
+          <a:p>
+            <a:r>
+              <a:rPr lang="en-US" dirty="0"/>
+              <a:t>Allows for mangers and the chairman to approved or deny the application while viewing all the information needed to base their decisions on</a:t>
+            </a:r>
+          </a:p>
+          <a:p>
+            <a:r>
+              <a:rPr lang="en-US" dirty="0"/>
+              <a:t>The user can check when the application has completed the review process</a:t>
             </a:r>
             <a:endParaRPr dirty="0"/>
           </a:p>
